--- a/DIANE ACTIVITY.pptx
+++ b/DIANE ACTIVITY.pptx
@@ -3363,10 +3363,10 @@
       </p:grpSpPr>
       <p:sp useBgFill="1">
         <p:nvSpPr>
-          <p:cNvPr id="24" name="Rectangle 23">
-            <a:extLst>
-              <a:ext uri="{FF2B5EF4-FFF2-40B4-BE49-F238E27FC236}">
-                <a16:creationId xmlns:a16="http://schemas.microsoft.com/office/drawing/2014/main" id="{0E30439A-8A5B-46EC-8283-9B6B031D40D0}"/>
+          <p:cNvPr id="49" name="Rectangle 48">
+            <a:extLst>
+              <a:ext uri="{FF2B5EF4-FFF2-40B4-BE49-F238E27FC236}">
+                <a16:creationId xmlns:a16="http://schemas.microsoft.com/office/drawing/2014/main" id="{8C790BE2-4E4F-4AAF-81A2-4A6F4885EBE6}"/>
               </a:ext>
               <a:ext uri="{C183D7F6-B498-43B3-948B-1728B52AA6E4}">
                 <adec:decorative xmlns:adec="http://schemas.microsoft.com/office/drawing/2017/decorative" val="1"/>
@@ -3439,10 +3439,10 @@
       </p:sp>
       <p:sp>
         <p:nvSpPr>
-          <p:cNvPr id="25" name="Rectangle 24">
-            <a:extLst>
-              <a:ext uri="{FF2B5EF4-FFF2-40B4-BE49-F238E27FC236}">
-                <a16:creationId xmlns:a16="http://schemas.microsoft.com/office/drawing/2014/main" id="{5CEAD642-85CF-4750-8432-7C80C901F001}"/>
+          <p:cNvPr id="51" name="Rectangle 50">
+            <a:extLst>
+              <a:ext uri="{FF2B5EF4-FFF2-40B4-BE49-F238E27FC236}">
+                <a16:creationId xmlns:a16="http://schemas.microsoft.com/office/drawing/2014/main" id="{D28B54C3-B57B-472A-B96E-1FCB67093DC2}"/>
               </a:ext>
               <a:ext uri="{C183D7F6-B498-43B3-948B-1728B52AA6E4}">
                 <adec:decorative xmlns:adec="http://schemas.microsoft.com/office/drawing/2017/decorative" val="1"/>
@@ -3461,9 +3461,9 @@
           </p:nvPr>
         </p:nvSpPr>
         <p:spPr>
-          <a:xfrm>
-            <a:off x="0" y="-427"/>
-            <a:ext cx="12192001" cy="6858000"/>
+          <a:xfrm flipH="1">
+            <a:off x="-1" y="0"/>
+            <a:ext cx="12191999" cy="6858000"/>
           </a:xfrm>
           <a:prstGeom prst="rect">
             <a:avLst/>
@@ -3471,12 +3471,86 @@
           <a:gradFill>
             <a:gsLst>
               <a:gs pos="0">
+                <a:schemeClr val="accent1">
+                  <a:lumMod val="50000"/>
+                </a:schemeClr>
+              </a:gs>
+              <a:gs pos="100000">
                 <a:srgbClr val="000000"/>
               </a:gs>
-              <a:gs pos="100000">
+            </a:gsLst>
+            <a:lin ang="13800000" scaled="0"/>
+          </a:gradFill>
+          <a:ln>
+            <a:noFill/>
+          </a:ln>
+        </p:spPr>
+        <p:style>
+          <a:lnRef idx="2">
+            <a:schemeClr val="accent1">
+              <a:shade val="50000"/>
+            </a:schemeClr>
+          </a:lnRef>
+          <a:fillRef idx="1">
+            <a:schemeClr val="accent1"/>
+          </a:fillRef>
+          <a:effectRef idx="0">
+            <a:schemeClr val="accent1"/>
+          </a:effectRef>
+          <a:fontRef idx="minor">
+            <a:schemeClr val="lt1"/>
+          </a:fontRef>
+        </p:style>
+        <p:txBody>
+          <a:bodyPr rtlCol="0" anchor="ctr"/>
+          <a:lstStyle/>
+          <a:p>
+            <a:pPr algn="ctr"/>
+            <a:endParaRPr lang="en-US"/>
+          </a:p>
+        </p:txBody>
+      </p:sp>
+      <p:sp>
+        <p:nvSpPr>
+          <p:cNvPr id="48" name="Rectangle 47">
+            <a:extLst>
+              <a:ext uri="{FF2B5EF4-FFF2-40B4-BE49-F238E27FC236}">
+                <a16:creationId xmlns:a16="http://schemas.microsoft.com/office/drawing/2014/main" id="{7DB3C429-F8DA-49B9-AF84-21996FCF78B5}"/>
+              </a:ext>
+              <a:ext uri="{C183D7F6-B498-43B3-948B-1728B52AA6E4}">
+                <adec:decorative xmlns:adec="http://schemas.microsoft.com/office/drawing/2017/decorative" val="1"/>
+              </a:ext>
+            </a:extLst>
+          </p:cNvPr>
+          <p:cNvSpPr>
+            <a:spLocks noGrp="1" noRot="1" noChangeAspect="1" noMove="1" noResize="1" noEditPoints="1" noAdjustHandles="1" noChangeArrowheads="1" noChangeShapeType="1" noTextEdit="1"/>
+          </p:cNvSpPr>
+          <p:nvPr>
+            <p:extLst>
+              <p:ext uri="{386F3935-93C4-4BCD-93E2-E3B085C9AB24}">
+                <p16:designElem xmlns:p16="http://schemas.microsoft.com/office/powerpoint/2015/main" val="1"/>
+              </p:ext>
+            </p:extLst>
+          </p:nvPr>
+        </p:nvSpPr>
+        <p:spPr>
+          <a:xfrm rot="10800000">
+            <a:off x="0" y="-4"/>
+            <a:ext cx="12192000" cy="6402581"/>
+          </a:xfrm>
+          <a:prstGeom prst="rect">
+            <a:avLst/>
+          </a:prstGeom>
+          <a:gradFill>
+            <a:gsLst>
+              <a:gs pos="1000">
                 <a:schemeClr val="accent1">
                   <a:lumMod val="75000"/>
+                  <a:alpha val="59000"/>
                 </a:schemeClr>
+              </a:gs>
+              <a:gs pos="100000">
+                <a:srgbClr val="000000"/>
               </a:gs>
             </a:gsLst>
             <a:lin ang="15000000" scaled="0"/>
@@ -3512,10 +3586,10 @@
       </p:sp>
       <p:sp>
         <p:nvSpPr>
-          <p:cNvPr id="26" name="Rectangle 25">
-            <a:extLst>
-              <a:ext uri="{FF2B5EF4-FFF2-40B4-BE49-F238E27FC236}">
-                <a16:creationId xmlns:a16="http://schemas.microsoft.com/office/drawing/2014/main" id="{FA33EEAE-15D5-4119-8C1E-89D943F911EF}"/>
+          <p:cNvPr id="50" name="Rectangle 49">
+            <a:extLst>
+              <a:ext uri="{FF2B5EF4-FFF2-40B4-BE49-F238E27FC236}">
+                <a16:creationId xmlns:a16="http://schemas.microsoft.com/office/drawing/2014/main" id="{E12088DD-B1AD-40E0-8B86-1D87A2CCD9BE}"/>
               </a:ext>
               <a:ext uri="{C183D7F6-B498-43B3-948B-1728B52AA6E4}">
                 <adec:decorative xmlns:adec="http://schemas.microsoft.com/office/drawing/2017/decorative" val="1"/>
@@ -3534,28 +3608,28 @@
           </p:nvPr>
         </p:nvSpPr>
         <p:spPr>
-          <a:xfrm rot="10800000" flipH="1">
-            <a:off x="455521" y="-1720"/>
-            <a:ext cx="11750040" cy="6840685"/>
+          <a:xfrm rot="5400000" flipH="1">
+            <a:off x="2663054" y="-2653923"/>
+            <a:ext cx="6858001" cy="12165846"/>
           </a:xfrm>
           <a:prstGeom prst="rect">
             <a:avLst/>
           </a:prstGeom>
           <a:gradFill>
             <a:gsLst>
-              <a:gs pos="21000">
+              <a:gs pos="13000">
                 <a:schemeClr val="accent1">
                   <a:lumMod val="50000"/>
-                  <a:alpha val="61000"/>
-                </a:schemeClr>
-              </a:gs>
-              <a:gs pos="100000">
-                <a:schemeClr val="accent1">
                   <a:alpha val="0"/>
                 </a:schemeClr>
               </a:gs>
+              <a:gs pos="99000">
+                <a:srgbClr val="000000">
+                  <a:alpha val="28000"/>
+                </a:srgbClr>
+              </a:gs>
             </a:gsLst>
-            <a:lin ang="21594000" scaled="0"/>
+            <a:lin ang="0" scaled="0"/>
           </a:gradFill>
           <a:ln>
             <a:noFill/>
@@ -3582,16 +3656,16 @@
           <a:lstStyle/>
           <a:p>
             <a:pPr algn="ctr"/>
-            <a:endParaRPr lang="en-US"/>
-          </a:p>
-        </p:txBody>
-      </p:sp>
-      <p:sp>
-        <p:nvSpPr>
-          <p:cNvPr id="27" name="Rectangle 26">
-            <a:extLst>
-              <a:ext uri="{FF2B5EF4-FFF2-40B4-BE49-F238E27FC236}">
-                <a16:creationId xmlns:a16="http://schemas.microsoft.com/office/drawing/2014/main" id="{730D8B3B-9B80-4025-B934-26DC7D7CD231}"/>
+            <a:endParaRPr lang="en-US" dirty="0"/>
+          </a:p>
+        </p:txBody>
+      </p:sp>
+      <p:sp>
+        <p:nvSpPr>
+          <p:cNvPr id="52" name="Rectangle 51">
+            <a:extLst>
+              <a:ext uri="{FF2B5EF4-FFF2-40B4-BE49-F238E27FC236}">
+                <a16:creationId xmlns:a16="http://schemas.microsoft.com/office/drawing/2014/main" id="{C4C9F2B0-1044-46EB-8AEB-C3BFFDE6C2CC}"/>
               </a:ext>
               <a:ext uri="{C183D7F6-B498-43B3-948B-1728B52AA6E4}">
                 <adec:decorative xmlns:adec="http://schemas.microsoft.com/office/drawing/2017/decorative" val="1"/>
@@ -3610,28 +3684,29 @@
           </p:nvPr>
         </p:nvSpPr>
         <p:spPr>
-          <a:xfrm>
-            <a:off x="8606054" y="-1291"/>
-            <a:ext cx="3608179" cy="6858864"/>
+          <a:xfrm flipH="1">
+            <a:off x="6094763" y="0"/>
+            <a:ext cx="6096001" cy="6858000"/>
           </a:xfrm>
           <a:prstGeom prst="rect">
             <a:avLst/>
           </a:prstGeom>
           <a:gradFill>
             <a:gsLst>
-              <a:gs pos="0">
+              <a:gs pos="13000">
                 <a:schemeClr val="accent1">
-                  <a:lumMod val="75000"/>
+                  <a:lumMod val="50000"/>
                   <a:alpha val="0"/>
                 </a:schemeClr>
               </a:gs>
               <a:gs pos="99000">
-                <a:srgbClr val="000000">
-                  <a:alpha val="41000"/>
-                </a:srgbClr>
+                <a:schemeClr val="accent1">
+                  <a:lumMod val="75000"/>
+                  <a:alpha val="50000"/>
+                </a:schemeClr>
               </a:gs>
             </a:gsLst>
-            <a:lin ang="16200000" scaled="0"/>
+            <a:lin ang="6000000" scaled="0"/>
           </a:gradFill>
           <a:ln>
             <a:noFill/>
@@ -3658,16 +3733,16 @@
           <a:lstStyle/>
           <a:p>
             <a:pPr algn="ctr"/>
-            <a:endParaRPr lang="en-US"/>
-          </a:p>
-        </p:txBody>
-      </p:sp>
-      <p:sp>
-        <p:nvSpPr>
-          <p:cNvPr id="28" name="Oval 27">
-            <a:extLst>
-              <a:ext uri="{FF2B5EF4-FFF2-40B4-BE49-F238E27FC236}">
-                <a16:creationId xmlns:a16="http://schemas.microsoft.com/office/drawing/2014/main" id="{B5A1B09C-1565-46F8-B70F-621C5EB48A09}"/>
+            <a:endParaRPr lang="en-US" dirty="0"/>
+          </a:p>
+        </p:txBody>
+      </p:sp>
+      <p:sp>
+        <p:nvSpPr>
+          <p:cNvPr id="54" name="Rectangle 53">
+            <a:extLst>
+              <a:ext uri="{FF2B5EF4-FFF2-40B4-BE49-F238E27FC236}">
+                <a16:creationId xmlns:a16="http://schemas.microsoft.com/office/drawing/2014/main" id="{0C395952-4E26-45A2-8756-2ADFD6E53C6E}"/>
               </a:ext>
               <a:ext uri="{C183D7F6-B498-43B3-948B-1728B52AA6E4}">
                 <adec:decorative xmlns:adec="http://schemas.microsoft.com/office/drawing/2017/decorative" val="1"/>
@@ -3686,29 +3761,28 @@
           </p:nvPr>
         </p:nvSpPr>
         <p:spPr>
-          <a:xfrm rot="15274173">
-            <a:off x="6059728" y="779270"/>
-            <a:ext cx="4967533" cy="4988390"/>
+          <a:xfrm flipH="1">
+            <a:off x="-4" y="-3"/>
+            <a:ext cx="12182871" cy="6871922"/>
           </a:xfrm>
-          <a:prstGeom prst="ellipse">
+          <a:prstGeom prst="rect">
             <a:avLst/>
           </a:prstGeom>
           <a:gradFill>
             <a:gsLst>
-              <a:gs pos="0">
+              <a:gs pos="13000">
+                <a:srgbClr val="000000">
+                  <a:alpha val="35000"/>
+                </a:srgbClr>
+              </a:gs>
+              <a:gs pos="99000">
                 <a:schemeClr val="accent1">
-                  <a:alpha val="24000"/>
-                </a:schemeClr>
-              </a:gs>
-              <a:gs pos="79000">
-                <a:schemeClr val="accent1">
-                  <a:lumMod val="60000"/>
-                  <a:lumOff val="40000"/>
+                  <a:lumMod val="75000"/>
                   <a:alpha val="0"/>
                 </a:schemeClr>
               </a:gs>
             </a:gsLst>
-            <a:lin ang="14400000" scaled="0"/>
+            <a:lin ang="4800000" scaled="0"/>
           </a:gradFill>
           <a:ln>
             <a:noFill/>
@@ -3741,157 +3815,10 @@
       </p:sp>
       <p:sp>
         <p:nvSpPr>
-          <p:cNvPr id="2" name="Title 1">
-            <a:extLst>
-              <a:ext uri="{FF2B5EF4-FFF2-40B4-BE49-F238E27FC236}">
-                <a16:creationId xmlns:a16="http://schemas.microsoft.com/office/drawing/2014/main" id="{7CEB6CD4-698C-E51C-B533-FC935E67B36F}"/>
-              </a:ext>
-            </a:extLst>
-          </p:cNvPr>
-          <p:cNvSpPr>
-            <a:spLocks noGrp="1"/>
-          </p:cNvSpPr>
-          <p:nvPr>
-            <p:ph type="ctrTitle"/>
-          </p:nvPr>
-        </p:nvSpPr>
-        <p:spPr>
-          <a:xfrm>
-            <a:off x="1386865" y="818984"/>
-            <a:ext cx="6596245" cy="3268520"/>
-          </a:xfrm>
-        </p:spPr>
-        <p:txBody>
-          <a:bodyPr>
-            <a:normAutofit/>
-          </a:bodyPr>
-          <a:lstStyle/>
-          <a:p>
-            <a:pPr algn="r"/>
-            <a:br>
-              <a:rPr lang="en-US" sz="1900" dirty="0">
-                <a:solidFill>
-                  <a:srgbClr val="FFFFFF"/>
-                </a:solidFill>
-              </a:rPr>
-            </a:br>
-            <a:br>
-              <a:rPr lang="en-US" sz="1900" dirty="0">
-                <a:solidFill>
-                  <a:srgbClr val="FFFFFF"/>
-                </a:solidFill>
-              </a:rPr>
-            </a:br>
-            <a:br>
-              <a:rPr lang="en-US" sz="1900" dirty="0">
-                <a:solidFill>
-                  <a:srgbClr val="FFFFFF"/>
-                </a:solidFill>
-              </a:rPr>
-            </a:br>
-            <a:br>
-              <a:rPr lang="en-US" sz="1900" dirty="0">
-                <a:solidFill>
-                  <a:srgbClr val="FFFFFF"/>
-                </a:solidFill>
-              </a:rPr>
-            </a:br>
-            <a:br>
-              <a:rPr lang="en-US" sz="1900" dirty="0">
-                <a:solidFill>
-                  <a:srgbClr val="FFFFFF"/>
-                </a:solidFill>
-              </a:rPr>
-            </a:br>
-            <a:br>
-              <a:rPr lang="en-US" sz="1900" dirty="0">
-                <a:solidFill>
-                  <a:srgbClr val="FFFFFF"/>
-                </a:solidFill>
-              </a:rPr>
-            </a:br>
-            <a:r>
-              <a:rPr lang="en-US" sz="1900" dirty="0">
-                <a:solidFill>
-                  <a:srgbClr val="FFFFFF"/>
-                </a:solidFill>
-              </a:rPr>
-              <a:t>ULK GISENYI CAMPUS</a:t>
-            </a:r>
-            <a:br>
-              <a:rPr lang="en-US" sz="1900" dirty="0">
-                <a:solidFill>
-                  <a:srgbClr val="FFFFFF"/>
-                </a:solidFill>
-              </a:rPr>
-            </a:br>
-            <a:r>
-              <a:rPr lang="en-US" sz="1900" dirty="0">
-                <a:solidFill>
-                  <a:srgbClr val="FFFFFF"/>
-                </a:solidFill>
-              </a:rPr>
-              <a:t>cloud computing</a:t>
-            </a:r>
-            <a:br>
-              <a:rPr lang="en-US" sz="1900" dirty="0">
-                <a:solidFill>
-                  <a:srgbClr val="FFFFFF"/>
-                </a:solidFill>
-              </a:rPr>
-            </a:br>
-            <a:r>
-              <a:rPr lang="en-US" sz="1900" dirty="0">
-                <a:solidFill>
-                  <a:srgbClr val="FFFFFF"/>
-                </a:solidFill>
-              </a:rPr>
-              <a:t>y2 networking</a:t>
-            </a:r>
-            <a:br>
-              <a:rPr lang="en-US" sz="1900" dirty="0">
-                <a:solidFill>
-                  <a:srgbClr val="FFFFFF"/>
-                </a:solidFill>
-              </a:rPr>
-            </a:br>
-            <a:r>
-              <a:rPr lang="en-US" sz="1900" dirty="0">
-                <a:solidFill>
-                  <a:srgbClr val="FFFFFF"/>
-                </a:solidFill>
-              </a:rPr>
-              <a:t>26/11/2025</a:t>
-            </a:r>
-            <a:br>
-              <a:rPr lang="en-US" sz="1900" dirty="0">
-                <a:solidFill>
-                  <a:srgbClr val="FFFFFF"/>
-                </a:solidFill>
-              </a:rPr>
-            </a:br>
-            <a:r>
-              <a:rPr lang="en-US" sz="1900" dirty="0">
-                <a:solidFill>
-                  <a:srgbClr val="FFFFFF"/>
-                </a:solidFill>
-              </a:rPr>
-              <a:t>Roll number:202521034</a:t>
-            </a:r>
-            <a:endParaRPr lang="en-RW" sz="1900" dirty="0">
-              <a:solidFill>
-                <a:srgbClr val="FFFFFF"/>
-              </a:solidFill>
-            </a:endParaRPr>
-          </a:p>
-        </p:txBody>
-      </p:sp>
-      <p:sp>
-        <p:nvSpPr>
-          <p:cNvPr id="29" name="Rectangle 28">
-            <a:extLst>
-              <a:ext uri="{FF2B5EF4-FFF2-40B4-BE49-F238E27FC236}">
-                <a16:creationId xmlns:a16="http://schemas.microsoft.com/office/drawing/2014/main" id="{8C516CC8-80AC-446C-A56E-9F54B7210402}"/>
+          <p:cNvPr id="56" name="Freeform: Shape 55">
+            <a:extLst>
+              <a:ext uri="{FF2B5EF4-FFF2-40B4-BE49-F238E27FC236}">
+                <a16:creationId xmlns:a16="http://schemas.microsoft.com/office/drawing/2014/main" id="{4734BADF-9461-4621-B112-2D7BABEA7DD0}"/>
               </a:ext>
               <a:ext uri="{C183D7F6-B498-43B3-948B-1728B52AA6E4}">
                 <adec:decorative xmlns:adec="http://schemas.microsoft.com/office/drawing/2017/decorative" val="1"/>
@@ -3910,28 +3837,83 @@
           </p:nvPr>
         </p:nvSpPr>
         <p:spPr>
-          <a:xfrm rot="10800000" flipH="1">
-            <a:off x="6314" y="4480038"/>
-            <a:ext cx="12179371" cy="2377962"/>
+          <a:xfrm>
+            <a:off x="987713" y="4049"/>
+            <a:ext cx="10216576" cy="4729040"/>
           </a:xfrm>
-          <a:prstGeom prst="rect">
+          <a:custGeom>
             <a:avLst/>
-          </a:prstGeom>
+            <a:gdLst>
+              <a:gd name="connsiteX0" fmla="*/ 0 w 10216576"/>
+              <a:gd name="connsiteY0" fmla="*/ 0 h 4729040"/>
+              <a:gd name="connsiteX1" fmla="*/ 10216576 w 10216576"/>
+              <a:gd name="connsiteY1" fmla="*/ 0 h 4729040"/>
+              <a:gd name="connsiteX2" fmla="*/ 10210268 w 10216576"/>
+              <a:gd name="connsiteY2" fmla="*/ 124944 h 4729040"/>
+              <a:gd name="connsiteX3" fmla="*/ 5108288 w 10216576"/>
+              <a:gd name="connsiteY3" fmla="*/ 4729040 h 4729040"/>
+              <a:gd name="connsiteX4" fmla="*/ 6309 w 10216576"/>
+              <a:gd name="connsiteY4" fmla="*/ 124944 h 4729040"/>
+            </a:gdLst>
+            <a:ahLst/>
+            <a:cxnLst>
+              <a:cxn ang="0">
+                <a:pos x="connsiteX0" y="connsiteY0"/>
+              </a:cxn>
+              <a:cxn ang="0">
+                <a:pos x="connsiteX1" y="connsiteY1"/>
+              </a:cxn>
+              <a:cxn ang="0">
+                <a:pos x="connsiteX2" y="connsiteY2"/>
+              </a:cxn>
+              <a:cxn ang="0">
+                <a:pos x="connsiteX3" y="connsiteY3"/>
+              </a:cxn>
+              <a:cxn ang="0">
+                <a:pos x="connsiteX4" y="connsiteY4"/>
+              </a:cxn>
+            </a:cxnLst>
+            <a:rect l="l" t="t" r="r" b="b"/>
+            <a:pathLst>
+              <a:path w="10216576" h="4729040">
+                <a:moveTo>
+                  <a:pt x="0" y="0"/>
+                </a:moveTo>
+                <a:lnTo>
+                  <a:pt x="10216576" y="0"/>
+                </a:lnTo>
+                <a:lnTo>
+                  <a:pt x="10210268" y="124944"/>
+                </a:lnTo>
+                <a:cubicBezTo>
+                  <a:pt x="9947637" y="2710997"/>
+                  <a:pt x="7763635" y="4729040"/>
+                  <a:pt x="5108288" y="4729040"/>
+                </a:cubicBezTo>
+                <a:cubicBezTo>
+                  <a:pt x="2452942" y="4729040"/>
+                  <a:pt x="268937" y="2710997"/>
+                  <a:pt x="6309" y="124944"/>
+                </a:cubicBezTo>
+                <a:close/>
+              </a:path>
+            </a:pathLst>
+          </a:custGeom>
           <a:gradFill>
             <a:gsLst>
-              <a:gs pos="0">
+              <a:gs pos="7000">
                 <a:schemeClr val="accent1">
-                  <a:lumMod val="75000"/>
-                  <a:alpha val="50000"/>
+                  <a:lumMod val="50000"/>
+                  <a:alpha val="4000"/>
                 </a:schemeClr>
               </a:gs>
               <a:gs pos="99000">
-                <a:srgbClr val="000000">
-                  <a:alpha val="34000"/>
-                </a:srgbClr>
+                <a:schemeClr val="accent1">
+                  <a:alpha val="24000"/>
+                </a:schemeClr>
               </a:gs>
             </a:gsLst>
-            <a:lin ang="17400000" scaled="0"/>
+            <a:lin ang="10200000" scaled="0"/>
           </a:gradFill>
           <a:ln>
             <a:noFill/>
@@ -3954,7 +3936,9 @@
           </a:fontRef>
         </p:style>
         <p:txBody>
-          <a:bodyPr rtlCol="0" anchor="ctr"/>
+          <a:bodyPr wrap="square" rtlCol="0" anchor="ctr">
+            <a:noAutofit/>
+          </a:bodyPr>
           <a:lstStyle/>
           <a:p>
             <a:pPr algn="ctr"/>
@@ -3964,33 +3948,178 @@
       </p:sp>
       <p:sp>
         <p:nvSpPr>
-          <p:cNvPr id="3" name="Subtitle 2">
-            <a:extLst>
-              <a:ext uri="{FF2B5EF4-FFF2-40B4-BE49-F238E27FC236}">
-                <a16:creationId xmlns:a16="http://schemas.microsoft.com/office/drawing/2014/main" id="{0BEAD4EB-A024-2EE9-514E-9E7D79CF64EA}"/>
-              </a:ext>
-            </a:extLst>
-          </p:cNvPr>
-          <p:cNvSpPr>
-            <a:spLocks noGrp="1"/>
-          </p:cNvSpPr>
-          <p:nvPr>
-            <p:ph type="subTitle" idx="1"/>
+          <p:cNvPr id="2" name="Title 1">
+            <a:extLst>
+              <a:ext uri="{FF2B5EF4-FFF2-40B4-BE49-F238E27FC236}">
+                <a16:creationId xmlns:a16="http://schemas.microsoft.com/office/drawing/2014/main" id="{7CEB6CD4-698C-E51C-B533-FC935E67B36F}"/>
+              </a:ext>
+            </a:extLst>
+          </p:cNvPr>
+          <p:cNvSpPr>
+            <a:spLocks noGrp="1"/>
+          </p:cNvSpPr>
+          <p:nvPr>
+            <p:ph type="ctrTitle"/>
           </p:nvPr>
         </p:nvSpPr>
         <p:spPr>
           <a:xfrm>
-            <a:off x="1931874" y="4797188"/>
-            <a:ext cx="6051236" cy="1241828"/>
+            <a:off x="2026693" y="1030406"/>
+            <a:ext cx="8147713" cy="3081242"/>
           </a:xfrm>
         </p:spPr>
         <p:txBody>
-          <a:bodyPr>
+          <a:bodyPr anchor="ctr">
             <a:normAutofit/>
           </a:bodyPr>
           <a:lstStyle/>
           <a:p>
-            <a:pPr algn="r"/>
+            <a:br>
+              <a:rPr lang="en-US" sz="1900">
+                <a:solidFill>
+                  <a:srgbClr val="FFFFFF"/>
+                </a:solidFill>
+              </a:rPr>
+            </a:br>
+            <a:br>
+              <a:rPr lang="en-US" sz="1900">
+                <a:solidFill>
+                  <a:srgbClr val="FFFFFF"/>
+                </a:solidFill>
+              </a:rPr>
+            </a:br>
+            <a:br>
+              <a:rPr lang="en-US" sz="1900">
+                <a:solidFill>
+                  <a:srgbClr val="FFFFFF"/>
+                </a:solidFill>
+              </a:rPr>
+            </a:br>
+            <a:br>
+              <a:rPr lang="en-US" sz="1900">
+                <a:solidFill>
+                  <a:srgbClr val="FFFFFF"/>
+                </a:solidFill>
+              </a:rPr>
+            </a:br>
+            <a:br>
+              <a:rPr lang="en-US" sz="1900">
+                <a:solidFill>
+                  <a:srgbClr val="FFFFFF"/>
+                </a:solidFill>
+              </a:rPr>
+            </a:br>
+            <a:br>
+              <a:rPr lang="en-US" sz="1900">
+                <a:solidFill>
+                  <a:srgbClr val="FFFFFF"/>
+                </a:solidFill>
+              </a:rPr>
+            </a:br>
+            <a:r>
+              <a:rPr lang="en-US" sz="1900">
+                <a:solidFill>
+                  <a:srgbClr val="FFFFFF"/>
+                </a:solidFill>
+              </a:rPr>
+              <a:t>ULK GISENYI CAMPUS</a:t>
+            </a:r>
+            <a:br>
+              <a:rPr lang="en-US" sz="1900">
+                <a:solidFill>
+                  <a:srgbClr val="FFFFFF"/>
+                </a:solidFill>
+              </a:rPr>
+            </a:br>
+            <a:r>
+              <a:rPr lang="en-US" sz="1900">
+                <a:solidFill>
+                  <a:srgbClr val="FFFFFF"/>
+                </a:solidFill>
+              </a:rPr>
+              <a:t>cloud computing</a:t>
+            </a:r>
+            <a:br>
+              <a:rPr lang="en-US" sz="1900">
+                <a:solidFill>
+                  <a:srgbClr val="FFFFFF"/>
+                </a:solidFill>
+              </a:rPr>
+            </a:br>
+            <a:r>
+              <a:rPr lang="en-US" sz="1900">
+                <a:solidFill>
+                  <a:srgbClr val="FFFFFF"/>
+                </a:solidFill>
+              </a:rPr>
+              <a:t>y2 networking</a:t>
+            </a:r>
+            <a:br>
+              <a:rPr lang="en-US" sz="1900">
+                <a:solidFill>
+                  <a:srgbClr val="FFFFFF"/>
+                </a:solidFill>
+              </a:rPr>
+            </a:br>
+            <a:r>
+              <a:rPr lang="en-US" sz="1900">
+                <a:solidFill>
+                  <a:srgbClr val="FFFFFF"/>
+                </a:solidFill>
+              </a:rPr>
+              <a:t>26/11/2025</a:t>
+            </a:r>
+            <a:br>
+              <a:rPr lang="en-US" sz="1900">
+                <a:solidFill>
+                  <a:srgbClr val="FFFFFF"/>
+                </a:solidFill>
+              </a:rPr>
+            </a:br>
+            <a:r>
+              <a:rPr lang="en-US" sz="1900">
+                <a:solidFill>
+                  <a:srgbClr val="FFFFFF"/>
+                </a:solidFill>
+              </a:rPr>
+              <a:t>Roll number:202421034</a:t>
+            </a:r>
+            <a:endParaRPr lang="en-RW" sz="1900">
+              <a:solidFill>
+                <a:srgbClr val="FFFFFF"/>
+              </a:solidFill>
+            </a:endParaRPr>
+          </a:p>
+        </p:txBody>
+      </p:sp>
+      <p:sp>
+        <p:nvSpPr>
+          <p:cNvPr id="3" name="Subtitle 2">
+            <a:extLst>
+              <a:ext uri="{FF2B5EF4-FFF2-40B4-BE49-F238E27FC236}">
+                <a16:creationId xmlns:a16="http://schemas.microsoft.com/office/drawing/2014/main" id="{0BEAD4EB-A024-2EE9-514E-9E7D79CF64EA}"/>
+              </a:ext>
+            </a:extLst>
+          </p:cNvPr>
+          <p:cNvSpPr>
+            <a:spLocks noGrp="1"/>
+          </p:cNvSpPr>
+          <p:nvPr>
+            <p:ph type="subTitle" idx="1"/>
+          </p:nvPr>
+        </p:nvSpPr>
+        <p:spPr>
+          <a:xfrm>
+            <a:off x="1559943" y="5171093"/>
+            <a:ext cx="9078628" cy="860620"/>
+          </a:xfrm>
+        </p:spPr>
+        <p:txBody>
+          <a:bodyPr anchor="ctr">
+            <a:normAutofit/>
+          </a:bodyPr>
+          <a:lstStyle/>
+          <a:p>
             <a:r>
               <a:rPr lang="en-US">
                 <a:solidFill>
@@ -4004,82 +4133,6 @@
                 <a:srgbClr val="FFFFFF"/>
               </a:solidFill>
             </a:endParaRPr>
-          </a:p>
-        </p:txBody>
-      </p:sp>
-      <p:sp>
-        <p:nvSpPr>
-          <p:cNvPr id="30" name="Rectangle 29">
-            <a:extLst>
-              <a:ext uri="{FF2B5EF4-FFF2-40B4-BE49-F238E27FC236}">
-                <a16:creationId xmlns:a16="http://schemas.microsoft.com/office/drawing/2014/main" id="{53947E58-F088-49F1-A3D1-DEA690192E84}"/>
-              </a:ext>
-              <a:ext uri="{C183D7F6-B498-43B3-948B-1728B52AA6E4}">
-                <adec:decorative xmlns:adec="http://schemas.microsoft.com/office/drawing/2017/decorative" val="1"/>
-              </a:ext>
-            </a:extLst>
-          </p:cNvPr>
-          <p:cNvSpPr>
-            <a:spLocks noGrp="1" noRot="1" noChangeAspect="1" noMove="1" noResize="1" noEditPoints="1" noAdjustHandles="1" noChangeArrowheads="1" noChangeShapeType="1" noTextEdit="1"/>
-          </p:cNvSpPr>
-          <p:nvPr>
-            <p:extLst>
-              <p:ext uri="{386F3935-93C4-4BCD-93E2-E3B085C9AB24}">
-                <p16:designElem xmlns:p16="http://schemas.microsoft.com/office/powerpoint/2015/main" val="1"/>
-              </p:ext>
-            </p:extLst>
-          </p:nvPr>
-        </p:nvSpPr>
-        <p:spPr>
-          <a:xfrm rot="16200000" flipH="1">
-            <a:off x="6967085" y="1632660"/>
-            <a:ext cx="6857572" cy="3592258"/>
-          </a:xfrm>
-          <a:prstGeom prst="rect">
-            <a:avLst/>
-          </a:prstGeom>
-          <a:gradFill>
-            <a:gsLst>
-              <a:gs pos="0">
-                <a:schemeClr val="accent1">
-                  <a:lumMod val="75000"/>
-                  <a:alpha val="50000"/>
-                </a:schemeClr>
-              </a:gs>
-              <a:gs pos="99000">
-                <a:srgbClr val="000000">
-                  <a:alpha val="0"/>
-                </a:srgbClr>
-              </a:gs>
-            </a:gsLst>
-            <a:lin ang="15600000" scaled="0"/>
-          </a:gradFill>
-          <a:ln>
-            <a:noFill/>
-          </a:ln>
-        </p:spPr>
-        <p:style>
-          <a:lnRef idx="2">
-            <a:schemeClr val="accent1">
-              <a:shade val="50000"/>
-            </a:schemeClr>
-          </a:lnRef>
-          <a:fillRef idx="1">
-            <a:schemeClr val="accent1"/>
-          </a:fillRef>
-          <a:effectRef idx="0">
-            <a:schemeClr val="accent1"/>
-          </a:effectRef>
-          <a:fontRef idx="minor">
-            <a:schemeClr val="lt1"/>
-          </a:fontRef>
-        </p:style>
-        <p:txBody>
-          <a:bodyPr rtlCol="0" anchor="ctr"/>
-          <a:lstStyle/>
-          <a:p>
-            <a:pPr algn="ctr"/>
-            <a:endParaRPr lang="en-US"/>
           </a:p>
         </p:txBody>
       </p:sp>
